--- a/Bai_5/báo cáo/báo cáo bài 5.pptx
+++ b/Bai_5/báo cáo/báo cáo bài 5.pptx
@@ -106,6 +106,11 @@
       </a:defRPr>
     </a:lvl9pPr>
   </p:defaultTextStyle>
+  <p:extLst>
+    <p:ext uri="{EFAFB233-063F-42B5-8137-9DF3F51BA10A}">
+      <p15:sldGuideLst xmlns:p15="http://schemas.microsoft.com/office/powerpoint/2012/main"/>
+    </p:ext>
+  </p:extLst>
 </p:presentation>
 </file>
 
@@ -256,7 +261,7 @@
           <a:p>
             <a:fld id="{9B1DFD75-9F15-440B-ACF6-9AD743C306A8}" type="datetimeFigureOut">
               <a:rPr lang="en-US" smtClean="0"/>
-              <a:t>10/7/2025</a:t>
+              <a:t>10/8/2025</a:t>
             </a:fld>
             <a:endParaRPr lang="en-US"/>
           </a:p>
@@ -454,7 +459,7 @@
           <a:p>
             <a:fld id="{9B1DFD75-9F15-440B-ACF6-9AD743C306A8}" type="datetimeFigureOut">
               <a:rPr lang="en-US" smtClean="0"/>
-              <a:t>10/7/2025</a:t>
+              <a:t>10/8/2025</a:t>
             </a:fld>
             <a:endParaRPr lang="en-US"/>
           </a:p>
@@ -662,7 +667,7 @@
           <a:p>
             <a:fld id="{9B1DFD75-9F15-440B-ACF6-9AD743C306A8}" type="datetimeFigureOut">
               <a:rPr lang="en-US" smtClean="0"/>
-              <a:t>10/7/2025</a:t>
+              <a:t>10/8/2025</a:t>
             </a:fld>
             <a:endParaRPr lang="en-US"/>
           </a:p>
@@ -860,7 +865,7 @@
           <a:p>
             <a:fld id="{9B1DFD75-9F15-440B-ACF6-9AD743C306A8}" type="datetimeFigureOut">
               <a:rPr lang="en-US" smtClean="0"/>
-              <a:t>10/7/2025</a:t>
+              <a:t>10/8/2025</a:t>
             </a:fld>
             <a:endParaRPr lang="en-US"/>
           </a:p>
@@ -1135,7 +1140,7 @@
           <a:p>
             <a:fld id="{9B1DFD75-9F15-440B-ACF6-9AD743C306A8}" type="datetimeFigureOut">
               <a:rPr lang="en-US" smtClean="0"/>
-              <a:t>10/7/2025</a:t>
+              <a:t>10/8/2025</a:t>
             </a:fld>
             <a:endParaRPr lang="en-US"/>
           </a:p>
@@ -1400,7 +1405,7 @@
           <a:p>
             <a:fld id="{9B1DFD75-9F15-440B-ACF6-9AD743C306A8}" type="datetimeFigureOut">
               <a:rPr lang="en-US" smtClean="0"/>
-              <a:t>10/7/2025</a:t>
+              <a:t>10/8/2025</a:t>
             </a:fld>
             <a:endParaRPr lang="en-US"/>
           </a:p>
@@ -1812,7 +1817,7 @@
           <a:p>
             <a:fld id="{9B1DFD75-9F15-440B-ACF6-9AD743C306A8}" type="datetimeFigureOut">
               <a:rPr lang="en-US" smtClean="0"/>
-              <a:t>10/7/2025</a:t>
+              <a:t>10/8/2025</a:t>
             </a:fld>
             <a:endParaRPr lang="en-US"/>
           </a:p>
@@ -1953,7 +1958,7 @@
           <a:p>
             <a:fld id="{9B1DFD75-9F15-440B-ACF6-9AD743C306A8}" type="datetimeFigureOut">
               <a:rPr lang="en-US" smtClean="0"/>
-              <a:t>10/7/2025</a:t>
+              <a:t>10/8/2025</a:t>
             </a:fld>
             <a:endParaRPr lang="en-US"/>
           </a:p>
@@ -2066,7 +2071,7 @@
           <a:p>
             <a:fld id="{9B1DFD75-9F15-440B-ACF6-9AD743C306A8}" type="datetimeFigureOut">
               <a:rPr lang="en-US" smtClean="0"/>
-              <a:t>10/7/2025</a:t>
+              <a:t>10/8/2025</a:t>
             </a:fld>
             <a:endParaRPr lang="en-US"/>
           </a:p>
@@ -2377,7 +2382,7 @@
           <a:p>
             <a:fld id="{9B1DFD75-9F15-440B-ACF6-9AD743C306A8}" type="datetimeFigureOut">
               <a:rPr lang="en-US" smtClean="0"/>
-              <a:t>10/7/2025</a:t>
+              <a:t>10/8/2025</a:t>
             </a:fld>
             <a:endParaRPr lang="en-US"/>
           </a:p>
@@ -2665,7 +2670,7 @@
           <a:p>
             <a:fld id="{9B1DFD75-9F15-440B-ACF6-9AD743C306A8}" type="datetimeFigureOut">
               <a:rPr lang="en-US" smtClean="0"/>
-              <a:t>10/7/2025</a:t>
+              <a:t>10/8/2025</a:t>
             </a:fld>
             <a:endParaRPr lang="en-US"/>
           </a:p>
@@ -2906,7 +2911,7 @@
           <a:p>
             <a:fld id="{9B1DFD75-9F15-440B-ACF6-9AD743C306A8}" type="datetimeFigureOut">
               <a:rPr lang="en-US" smtClean="0"/>
-              <a:t>10/7/2025</a:t>
+              <a:t>10/8/2025</a:t>
             </a:fld>
             <a:endParaRPr lang="en-US"/>
           </a:p>
@@ -4328,7 +4333,7 @@
           <p:nvPr>
             <p:extLst>
               <p:ext uri="{D42A27DB-BD31-4B8C-83A1-F6EECF244321}">
-                <p14:modId xmlns:p14="http://schemas.microsoft.com/office/powerpoint/2010/main" val="913219046"/>
+                <p14:modId xmlns:p14="http://schemas.microsoft.com/office/powerpoint/2010/main" val="3417513164"/>
               </p:ext>
             </p:extLst>
           </p:nvPr>
@@ -4614,7 +4619,7 @@
                           <a:ea typeface="+mn-ea"/>
                           <a:cs typeface="+mn-cs"/>
                         </a:rPr>
-                        <a:t>0.654</a:t>
+                        <a:t>0.64</a:t>
                       </a:r>
                       <a:endParaRPr lang="en-US" dirty="0"/>
                     </a:p>
@@ -4637,7 +4642,7 @@
                           <a:ea typeface="+mn-ea"/>
                           <a:cs typeface="+mn-cs"/>
                         </a:rPr>
-                        <a:t>0.577</a:t>
+                        <a:t>0.63</a:t>
                       </a:r>
                       <a:endParaRPr lang="en-US" dirty="0"/>
                     </a:p>
@@ -4896,7 +4901,7 @@
                           <a:ea typeface="+mn-ea"/>
                           <a:cs typeface="+mn-cs"/>
                         </a:rPr>
-                        <a:t>0.881</a:t>
+                        <a:t>0.91</a:t>
                       </a:r>
                       <a:endParaRPr lang="en-US" dirty="0"/>
                     </a:p>
@@ -4919,7 +4924,7 @@
                           <a:ea typeface="+mn-ea"/>
                           <a:cs typeface="+mn-cs"/>
                         </a:rPr>
-                        <a:t>0.563</a:t>
+                        <a:t>0.62</a:t>
                       </a:r>
                       <a:endParaRPr lang="en-US" dirty="0"/>
                     </a:p>
@@ -5031,111 +5036,7 @@
                 <a:effectLst/>
                 <a:latin typeface="Arial" panose="020B0604020202020204" pitchFamily="34" charset="0"/>
               </a:rPr>
-              <a:t>Decision Tree train F1 = 0.654, test F1 = 0.577 → overfit </a:t>
-            </a:r>
-            <a:r>
-              <a:rPr kumimoji="0" lang="en-US" altLang="en-US" sz="1800" b="0" i="0" u="none" strike="noStrike" cap="none" normalizeH="0" baseline="0" dirty="0" err="1">
-                <a:ln>
-                  <a:noFill/>
-                </a:ln>
-                <a:solidFill>
-                  <a:schemeClr val="tx1"/>
-                </a:solidFill>
-                <a:effectLst/>
-                <a:latin typeface="Arial" panose="020B0604020202020204" pitchFamily="34" charset="0"/>
-              </a:rPr>
-              <a:t>nhẹ</a:t>
-            </a:r>
-            <a:r>
-              <a:rPr kumimoji="0" lang="en-US" altLang="en-US" sz="1800" b="0" i="0" u="none" strike="noStrike" cap="none" normalizeH="0" baseline="0" dirty="0">
-                <a:ln>
-                  <a:noFill/>
-                </a:ln>
-                <a:solidFill>
-                  <a:schemeClr val="tx1"/>
-                </a:solidFill>
-                <a:effectLst/>
-                <a:latin typeface="Arial" panose="020B0604020202020204" pitchFamily="34" charset="0"/>
-              </a:rPr>
-              <a:t>, generalize </a:t>
-            </a:r>
-            <a:r>
-              <a:rPr kumimoji="0" lang="en-US" altLang="en-US" sz="1800" b="0" i="0" u="none" strike="noStrike" cap="none" normalizeH="0" baseline="0" dirty="0" err="1">
-                <a:ln>
-                  <a:noFill/>
-                </a:ln>
-                <a:solidFill>
-                  <a:schemeClr val="tx1"/>
-                </a:solidFill>
-                <a:effectLst/>
-                <a:latin typeface="Arial" panose="020B0604020202020204" pitchFamily="34" charset="0"/>
-              </a:rPr>
-              <a:t>tốt</a:t>
-            </a:r>
-            <a:r>
-              <a:rPr kumimoji="0" lang="en-US" altLang="en-US" sz="1800" b="0" i="0" u="none" strike="noStrike" cap="none" normalizeH="0" baseline="0" dirty="0">
-                <a:ln>
-                  <a:noFill/>
-                </a:ln>
-                <a:solidFill>
-                  <a:schemeClr val="tx1"/>
-                </a:solidFill>
-                <a:effectLst/>
-                <a:latin typeface="Arial" panose="020B0604020202020204" pitchFamily="34" charset="0"/>
-              </a:rPr>
-              <a:t> </a:t>
-            </a:r>
-            <a:r>
-              <a:rPr kumimoji="0" lang="en-US" altLang="en-US" sz="1800" b="0" i="0" u="none" strike="noStrike" cap="none" normalizeH="0" baseline="0" dirty="0" err="1">
-                <a:ln>
-                  <a:noFill/>
-                </a:ln>
-                <a:solidFill>
-                  <a:schemeClr val="tx1"/>
-                </a:solidFill>
-                <a:effectLst/>
-                <a:latin typeface="Arial" panose="020B0604020202020204" pitchFamily="34" charset="0"/>
-              </a:rPr>
-              <a:t>hơn</a:t>
-            </a:r>
-            <a:r>
-              <a:rPr kumimoji="0" lang="en-US" altLang="en-US" sz="1800" b="0" i="0" u="none" strike="noStrike" cap="none" normalizeH="0" baseline="0" dirty="0">
-                <a:ln>
-                  <a:noFill/>
-                </a:ln>
-                <a:solidFill>
-                  <a:schemeClr val="tx1"/>
-                </a:solidFill>
-                <a:effectLst/>
-                <a:latin typeface="Arial" panose="020B0604020202020204" pitchFamily="34" charset="0"/>
-              </a:rPr>
-              <a:t> so </a:t>
-            </a:r>
-            <a:r>
-              <a:rPr kumimoji="0" lang="en-US" altLang="en-US" sz="1800" b="0" i="0" u="none" strike="noStrike" cap="none" normalizeH="0" baseline="0" dirty="0" err="1">
-                <a:ln>
-                  <a:noFill/>
-                </a:ln>
-                <a:solidFill>
-                  <a:schemeClr val="tx1"/>
-                </a:solidFill>
-                <a:effectLst/>
-                <a:latin typeface="Arial" panose="020B0604020202020204" pitchFamily="34" charset="0"/>
-              </a:rPr>
-              <a:t>với</a:t>
-            </a:r>
-            <a:r>
-              <a:rPr kumimoji="0" lang="en-US" altLang="en-US" sz="1800" b="0" i="0" u="none" strike="noStrike" cap="none" normalizeH="0" baseline="0" dirty="0">
-                <a:ln>
-                  <a:noFill/>
-                </a:ln>
-                <a:solidFill>
-                  <a:schemeClr val="tx1"/>
-                </a:solidFill>
-                <a:effectLst/>
-                <a:latin typeface="Arial" panose="020B0604020202020204" pitchFamily="34" charset="0"/>
-              </a:rPr>
-              <a:t> Random Forest.</a:t>
+              <a:t>Decision Tree train F1 = 0.64, test F1 = 0.63 </a:t>
             </a:r>
           </a:p>
           <a:p>
@@ -5166,7 +5067,7 @@
                 <a:effectLst/>
                 <a:latin typeface="Arial" panose="020B0604020202020204" pitchFamily="34" charset="0"/>
               </a:rPr>
-              <a:t>Random Forest train F1 = 0.881, test F1 = 0.563 → overfit </a:t>
+              <a:t>Random Forest train F1 = 0.91, test F1 = 0.62 → overfit </a:t>
             </a:r>
             <a:r>
               <a:rPr kumimoji="0" lang="en-US" altLang="en-US" sz="1800" b="0" i="0" u="none" strike="noStrike" cap="none" normalizeH="0" baseline="0" dirty="0" err="1">
